--- a/MS-101/MS-101T00A-ENU-PowerPoint/MS-101T00A-ENU-PowerPoint_Introduction.pptx
+++ b/MS-101/MS-101T00A-ENU-PowerPoint/MS-101T00A-ENU-PowerPoint_Introduction.pptx
@@ -186,14 +186,6 @@
 </p:cmAuthorLst>
 </file>
 
-<file path=ppt/revisionInfo.xml><?xml version="1.0" encoding="utf-8"?>
-<p1510:revInfo xmlns:a="http://schemas.openxmlformats.org/drawingml/2006/main" xmlns:r="http://schemas.openxmlformats.org/officeDocument/2006/relationships" xmlns:p1510="http://schemas.microsoft.com/office/powerpoint/2015/10/main">
-  <p1510:revLst>
-    <p1510:client id="{34D41EDC-6575-492B-BB0F-479828C4EA79}" v="12" dt="2020-07-30T10:18:25.714"/>
-  </p1510:revLst>
-</p1510:revInfo>
-</file>
-
 <file path=ppt/changesInfos/changesInfo1.xml><?xml version="1.0" encoding="utf-8"?>
 <pc:chgInfo xmlns:a="http://schemas.openxmlformats.org/drawingml/2006/main" xmlns:r="http://schemas.openxmlformats.org/officeDocument/2006/relationships" xmlns:ac="http://schemas.microsoft.com/office/drawing/2013/main/command" xmlns:pc="http://schemas.microsoft.com/office/powerpoint/2013/main/command">
   <pc:docChgLst>
@@ -3367,6 +3359,62 @@
           </pc:sldLayoutMkLst>
         </pc:sldLayoutChg>
       </pc:sldMasterChg>
+    </pc:docChg>
+  </pc:docChgLst>
+  <pc:docChgLst>
+    <pc:chgData name="Michael Whitehouse" userId="0ecba9273f6ad366" providerId="LiveId" clId="{8C5EA7A5-2CB1-4EF3-8D21-085EF95F1ACE}"/>
+    <pc:docChg chg="custSel modSld">
+      <pc:chgData name="Michael Whitehouse" userId="0ecba9273f6ad366" providerId="LiveId" clId="{8C5EA7A5-2CB1-4EF3-8D21-085EF95F1ACE}" dt="2023-01-22T21:53:05.003" v="165" actId="14100"/>
+      <pc:docMkLst>
+        <pc:docMk/>
+      </pc:docMkLst>
+      <pc:sldChg chg="addSp delSp modSp mod">
+        <pc:chgData name="Michael Whitehouse" userId="0ecba9273f6ad366" providerId="LiveId" clId="{8C5EA7A5-2CB1-4EF3-8D21-085EF95F1ACE}" dt="2023-01-22T21:53:05.003" v="165" actId="14100"/>
+        <pc:sldMkLst>
+          <pc:docMk/>
+          <pc:sldMk cId="3284983197" sldId="1729"/>
+        </pc:sldMkLst>
+        <pc:spChg chg="mod">
+          <ac:chgData name="Michael Whitehouse" userId="0ecba9273f6ad366" providerId="LiveId" clId="{8C5EA7A5-2CB1-4EF3-8D21-085EF95F1ACE}" dt="2023-01-22T21:52:41.543" v="161" actId="1076"/>
+          <ac:spMkLst>
+            <pc:docMk/>
+            <pc:sldMk cId="3284983197" sldId="1729"/>
+            <ac:spMk id="3" creationId="{E152691D-0AC6-429E-B618-9002772B8D43}"/>
+          </ac:spMkLst>
+        </pc:spChg>
+        <pc:spChg chg="del">
+          <ac:chgData name="Michael Whitehouse" userId="0ecba9273f6ad366" providerId="LiveId" clId="{8C5EA7A5-2CB1-4EF3-8D21-085EF95F1ACE}" dt="2023-01-22T21:52:29.253" v="158" actId="478"/>
+          <ac:spMkLst>
+            <pc:docMk/>
+            <pc:sldMk cId="3284983197" sldId="1729"/>
+            <ac:spMk id="4" creationId="{2D6D126C-CA6F-403C-A370-CE3B4AE38006}"/>
+          </ac:spMkLst>
+        </pc:spChg>
+        <pc:picChg chg="del mod">
+          <ac:chgData name="Michael Whitehouse" userId="0ecba9273f6ad366" providerId="LiveId" clId="{8C5EA7A5-2CB1-4EF3-8D21-085EF95F1ACE}" dt="2023-01-22T21:51:52.036" v="151" actId="478"/>
+          <ac:picMkLst>
+            <pc:docMk/>
+            <pc:sldMk cId="3284983197" sldId="1729"/>
+            <ac:picMk id="5" creationId="{D14A98BB-E62B-458B-ACAA-C795704C3E6F}"/>
+          </ac:picMkLst>
+        </pc:picChg>
+        <pc:picChg chg="add mod">
+          <ac:chgData name="Michael Whitehouse" userId="0ecba9273f6ad366" providerId="LiveId" clId="{8C5EA7A5-2CB1-4EF3-8D21-085EF95F1ACE}" dt="2023-01-22T21:53:05.003" v="165" actId="14100"/>
+          <ac:picMkLst>
+            <pc:docMk/>
+            <pc:sldMk cId="3284983197" sldId="1729"/>
+            <ac:picMk id="7" creationId="{BCC20B1A-6DC0-ECC0-8ED9-298FEBA88006}"/>
+          </ac:picMkLst>
+        </pc:picChg>
+        <pc:picChg chg="add mod">
+          <ac:chgData name="Michael Whitehouse" userId="0ecba9273f6ad366" providerId="LiveId" clId="{8C5EA7A5-2CB1-4EF3-8D21-085EF95F1ACE}" dt="2023-01-22T21:52:44.345" v="162" actId="1076"/>
+          <ac:picMkLst>
+            <pc:docMk/>
+            <pc:sldMk cId="3284983197" sldId="1729"/>
+            <ac:picMk id="9" creationId="{D0B2E81B-2091-8792-922B-313E2801C346}"/>
+          </ac:picMkLst>
+        </pc:picChg>
+      </pc:sldChg>
     </pc:docChg>
   </pc:docChgLst>
 </pc:chgInfo>
@@ -3458,7 +3506,7 @@
               <a:rPr lang="en-US" smtClean="0">
                 <a:latin typeface="Segoe UI" pitchFamily="34" charset="0"/>
               </a:rPr>
-              <a:t>9/6/2022 9:48 AM</a:t>
+              <a:t>1/22/2023 10:51 PM</a:t>
             </a:fld>
             <a:endParaRPr lang="en-US">
               <a:latin typeface="Segoe UI" pitchFamily="34" charset="0"/>
@@ -3736,7 +3784,7 @@
           <a:p>
             <a:fld id="{DCE60099-03E7-4FA1-8A7F-E6E6CFB0F855}" type="datetime8">
               <a:rPr lang="en-US" smtClean="0"/>
-              <a:t>9/6/2022 9:48 AM</a:t>
+              <a:t>1/22/2023 10:38 PM</a:t>
             </a:fld>
             <a:endParaRPr lang="en-US"/>
           </a:p>
@@ -4103,7 +4151,7 @@
           <a:p>
             <a:fld id="{3619146B-24F9-441E-A368-DB3B5A84C1D4}" type="datetime8">
               <a:rPr lang="en-US" smtClean="0"/>
-              <a:t>9/6/2022 9:48 AM</a:t>
+              <a:t>1/22/2023 10:38 PM</a:t>
             </a:fld>
             <a:endParaRPr lang="en-US" dirty="0"/>
           </a:p>
@@ -4400,7 +4448,7 @@
                   <a:prstClr val="black"/>
                 </a:solidFill>
               </a:rPr>
-              <a:t>9/6/2022 9:48 AM</a:t>
+              <a:t>1/22/2023 10:38 PM</a:t>
             </a:fld>
             <a:endParaRPr lang="en-US" dirty="0">
               <a:solidFill>
@@ -4899,7 +4947,7 @@
           <a:p>
             <a:fld id="{9427A7F7-BB1E-479D-AFAA-B52F4D0C99F2}" type="datetime8">
               <a:rPr lang="en-US" smtClean="0"/>
-              <a:t>9/6/2022 9:48 AM</a:t>
+              <a:t>1/22/2023 10:38 PM</a:t>
             </a:fld>
             <a:endParaRPr lang="en-US" dirty="0"/>
           </a:p>
@@ -5064,7 +5112,7 @@
           <a:p>
             <a:fld id="{9427A7F7-BB1E-479D-AFAA-B52F4D0C99F2}" type="datetime8">
               <a:rPr lang="en-US" smtClean="0"/>
-              <a:t>9/6/2022 9:48 AM</a:t>
+              <a:t>1/22/2023 10:38 PM</a:t>
             </a:fld>
             <a:endParaRPr lang="en-US" dirty="0"/>
           </a:p>
@@ -5229,7 +5277,7 @@
           <a:p>
             <a:fld id="{9427A7F7-BB1E-479D-AFAA-B52F4D0C99F2}" type="datetime8">
               <a:rPr lang="en-US" smtClean="0"/>
-              <a:t>9/6/2022 9:48 AM</a:t>
+              <a:t>1/22/2023 10:38 PM</a:t>
             </a:fld>
             <a:endParaRPr lang="en-US" dirty="0"/>
           </a:p>
@@ -5394,7 +5442,7 @@
           <a:p>
             <a:fld id="{9427A7F7-BB1E-479D-AFAA-B52F4D0C99F2}" type="datetime8">
               <a:rPr lang="en-US" smtClean="0"/>
-              <a:t>9/6/2022 9:48 AM</a:t>
+              <a:t>1/22/2023 10:38 PM</a:t>
             </a:fld>
             <a:endParaRPr lang="en-US" dirty="0"/>
           </a:p>
@@ -5559,7 +5607,7 @@
           <a:p>
             <a:fld id="{9427A7F7-BB1E-479D-AFAA-B52F4D0C99F2}" type="datetime8">
               <a:rPr lang="en-US" smtClean="0"/>
-              <a:t>9/6/2022 9:48 AM</a:t>
+              <a:t>1/22/2023 10:38 PM</a:t>
             </a:fld>
             <a:endParaRPr lang="en-US" dirty="0"/>
           </a:p>
@@ -20488,8 +20536,8 @@
         </p:nvSpPr>
         <p:spPr bwMode="auto">
           <a:xfrm>
-            <a:off x="434921" y="1549082"/>
-            <a:ext cx="5458968" cy="4699318"/>
+            <a:off x="1341120" y="3315285"/>
+            <a:ext cx="5481237" cy="3301219"/>
           </a:xfrm>
           <a:prstGeom prst="rect">
             <a:avLst/>
@@ -20553,8 +20601,53 @@
                   <a:schemeClr val="tx1"/>
                 </a:solidFill>
               </a:rPr>
-              <a:t> &lt;Name&gt;</a:t>
+              <a:t> Michael Whitehouse</a:t>
             </a:r>
+          </a:p>
+          <a:p>
+            <a:pPr>
+              <a:spcBef>
+                <a:spcPts val="1200"/>
+              </a:spcBef>
+            </a:pPr>
+            <a:endParaRPr lang="en-US" sz="2600" dirty="0">
+              <a:solidFill>
+                <a:schemeClr val="tx1"/>
+              </a:solidFill>
+            </a:endParaRPr>
+          </a:p>
+          <a:p>
+            <a:pPr>
+              <a:spcBef>
+                <a:spcPts val="1200"/>
+              </a:spcBef>
+            </a:pPr>
+            <a:r>
+              <a:rPr lang="en-US" sz="2600" dirty="0">
+                <a:solidFill>
+                  <a:schemeClr val="tx1"/>
+                </a:solidFill>
+                <a:hlinkClick r:id="rId3"/>
+              </a:rPr>
+              <a:t>mike@michaelwhitehouse.com</a:t>
+            </a:r>
+            <a:endParaRPr lang="en-US" sz="2600" dirty="0">
+              <a:solidFill>
+                <a:schemeClr val="tx1"/>
+              </a:solidFill>
+            </a:endParaRPr>
+          </a:p>
+          <a:p>
+            <a:pPr>
+              <a:spcBef>
+                <a:spcPts val="1200"/>
+              </a:spcBef>
+            </a:pPr>
+            <a:endParaRPr lang="en-US" sz="2600" dirty="0">
+              <a:solidFill>
+                <a:schemeClr val="tx1"/>
+              </a:solidFill>
+            </a:endParaRPr>
           </a:p>
           <a:p>
             <a:pPr>
@@ -20568,22 +20661,7 @@
                   <a:schemeClr val="tx1"/>
                 </a:solidFill>
               </a:rPr>
-              <a:t>&lt;Title or other credentials,</a:t>
-            </a:r>
-            <a:br>
-              <a:rPr lang="en-US" sz="2600" dirty="0">
-                <a:solidFill>
-                  <a:schemeClr val="tx1"/>
-                </a:solidFill>
-              </a:rPr>
-            </a:br>
-            <a:r>
-              <a:rPr lang="en-US" sz="2600" dirty="0">
-                <a:solidFill>
-                  <a:schemeClr val="tx1"/>
-                </a:solidFill>
-              </a:rPr>
-              <a:t>e.g., Microsoft Certified Trainer&gt;</a:t>
+              <a:t>Github.com/kramit (useful for notes from the courses)</a:t>
             </a:r>
           </a:p>
           <a:p>
@@ -20592,14 +20670,11 @@
                 <a:spcPts val="1200"/>
               </a:spcBef>
             </a:pPr>
-            <a:r>
-              <a:rPr lang="en-US" sz="2600" dirty="0">
-                <a:solidFill>
-                  <a:schemeClr val="tx1"/>
-                </a:solidFill>
-              </a:rPr>
-              <a:t>&lt;Affiliation/Company&gt;</a:t>
-            </a:r>
+            <a:endParaRPr lang="en-US" sz="2600" dirty="0">
+              <a:solidFill>
+                <a:schemeClr val="tx1"/>
+              </a:solidFill>
+            </a:endParaRPr>
           </a:p>
           <a:p>
             <a:pPr>
@@ -20607,87 +20682,20 @@
                 <a:spcPts val="1200"/>
               </a:spcBef>
             </a:pPr>
-            <a:r>
-              <a:rPr lang="en-US" sz="2600" dirty="0">
-                <a:solidFill>
-                  <a:schemeClr val="tx1"/>
-                </a:solidFill>
-              </a:rPr>
-              <a:t>&lt;A few words about my technical and professional experience</a:t>
-            </a:r>
-          </a:p>
-        </p:txBody>
-      </p:sp>
-      <p:sp>
-        <p:nvSpPr>
-          <p:cNvPr id="4" name="Rectangle 3">
-            <a:extLst>
-              <a:ext uri="{FF2B5EF4-FFF2-40B4-BE49-F238E27FC236}">
-                <a16:creationId xmlns:a16="http://schemas.microsoft.com/office/drawing/2014/main" id="{2D6D126C-CA6F-403C-A370-CE3B4AE38006}"/>
-              </a:ext>
-              <a:ext uri="{C183D7F6-B498-43B3-948B-1728B52AA6E4}">
-                <adec:decorative xmlns:adec="http://schemas.microsoft.com/office/drawing/2017/decorative" val="1"/>
-              </a:ext>
-            </a:extLst>
-          </p:cNvPr>
-          <p:cNvSpPr/>
-          <p:nvPr/>
-        </p:nvSpPr>
-        <p:spPr bwMode="auto">
-          <a:xfrm>
-            <a:off x="6037943" y="1549081"/>
-            <a:ext cx="5971495" cy="4699318"/>
-          </a:xfrm>
-          <a:prstGeom prst="rect">
-            <a:avLst/>
-          </a:prstGeom>
-          <a:ln w="19050">
-            <a:solidFill>
-              <a:schemeClr val="accent1"/>
-            </a:solidFill>
-            <a:headEnd type="none" w="lg" len="med"/>
-            <a:tailEnd type="none" w="lg" len="med"/>
-          </a:ln>
-        </p:spPr>
-        <p:style>
-          <a:lnRef idx="1">
-            <a:schemeClr val="accent1"/>
-          </a:lnRef>
-          <a:fillRef idx="0">
-            <a:schemeClr val="accent1"/>
-          </a:fillRef>
-          <a:effectRef idx="0">
-            <a:schemeClr val="accent1"/>
-          </a:effectRef>
-          <a:fontRef idx="minor">
-            <a:schemeClr val="tx1"/>
-          </a:fontRef>
-        </p:style>
-        <p:txBody>
-          <a:bodyPr rot="0" spcFirstLastPara="0" vert="horz" wrap="square" lIns="137160" tIns="91440" rIns="137160" bIns="91440" numCol="1" spcCol="0" rtlCol="0" fromWordArt="0" anchor="t" anchorCtr="0" forceAA="0" compatLnSpc="1">
-            <a:prstTxWarp prst="textNoShape">
-              <a:avLst/>
-            </a:prstTxWarp>
-            <a:noAutofit/>
-          </a:bodyPr>
-          <a:lstStyle/>
-          <a:p>
-            <a:pPr algn="ctr" fontAlgn="base"/>
-            <a:endParaRPr lang="en-US" sz="2200" dirty="0">
+            <a:endParaRPr lang="en-US" sz="2600" dirty="0">
               <a:solidFill>
                 <a:schemeClr val="tx1"/>
               </a:solidFill>
-              <a:latin typeface="+mj-lt"/>
             </a:endParaRPr>
           </a:p>
         </p:txBody>
       </p:sp>
       <p:pic>
         <p:nvPicPr>
-          <p:cNvPr id="5" name="Picture 4" descr="Name tag with the word hello">
+          <p:cNvPr id="7" name="Picture 6">
             <a:extLst>
               <a:ext uri="{FF2B5EF4-FFF2-40B4-BE49-F238E27FC236}">
-                <a16:creationId xmlns:a16="http://schemas.microsoft.com/office/drawing/2014/main" id="{D14A98BB-E62B-458B-ACAA-C795704C3E6F}"/>
+                <a16:creationId xmlns:a16="http://schemas.microsoft.com/office/drawing/2014/main" id="{BCC20B1A-6DC0-ECC0-8ED9-298FEBA88006}"/>
               </a:ext>
             </a:extLst>
           </p:cNvPr>
@@ -20697,15 +20705,45 @@
           <p:nvPr/>
         </p:nvPicPr>
         <p:blipFill>
-          <a:blip r:embed="rId3"/>
+          <a:blip r:embed="rId4"/>
           <a:stretch>
             <a:fillRect/>
           </a:stretch>
         </p:blipFill>
         <p:spPr>
           <a:xfrm>
-            <a:off x="6530210" y="2277064"/>
-            <a:ext cx="4986960" cy="3243353"/>
+            <a:off x="6926817" y="3240832"/>
+            <a:ext cx="3938131" cy="3597537"/>
+          </a:xfrm>
+          <a:prstGeom prst="rect">
+            <a:avLst/>
+          </a:prstGeom>
+        </p:spPr>
+      </p:pic>
+      <p:pic>
+        <p:nvPicPr>
+          <p:cNvPr id="9" name="Picture 8">
+            <a:extLst>
+              <a:ext uri="{FF2B5EF4-FFF2-40B4-BE49-F238E27FC236}">
+                <a16:creationId xmlns:a16="http://schemas.microsoft.com/office/drawing/2014/main" id="{D0B2E81B-2091-8792-922B-313E2801C346}"/>
+              </a:ext>
+            </a:extLst>
+          </p:cNvPr>
+          <p:cNvPicPr>
+            <a:picLocks noChangeAspect="1"/>
+          </p:cNvPicPr>
+          <p:nvPr/>
+        </p:nvPicPr>
+        <p:blipFill>
+          <a:blip r:embed="rId5"/>
+          <a:stretch>
+            <a:fillRect/>
+          </a:stretch>
+        </p:blipFill>
+        <p:spPr>
+          <a:xfrm>
+            <a:off x="821554" y="1031826"/>
+            <a:ext cx="10277550" cy="2124091"/>
           </a:xfrm>
           <a:prstGeom prst="rect">
             <a:avLst/>
@@ -30758,21 +30796,21 @@
 </file>
 
 <file path=customXml/item1.xml><?xml version="1.0" encoding="utf-8"?>
+<p:properties xmlns:p="http://schemas.microsoft.com/office/2006/metadata/properties" xmlns:xsi="http://www.w3.org/2001/XMLSchema-instance" xmlns:pc="http://schemas.microsoft.com/office/infopath/2007/PartnerControls">
+  <documentManagement>
+    <_ip_UnifiedCompliancePolicyUIAction xmlns="http://schemas.microsoft.com/sharepoint/v3" xsi:nil="true"/>
+    <_ip_UnifiedCompliancePolicyProperties xmlns="http://schemas.microsoft.com/sharepoint/v3" xsi:nil="true"/>
+  </documentManagement>
+</p:properties>
+</file>
+
+<file path=customXml/item2.xml><?xml version="1.0" encoding="utf-8"?>
 <?mso-contentType ?>
 <FormTemplates xmlns="http://schemas.microsoft.com/sharepoint/v3/contenttype/forms">
   <Display>DocumentLibraryForm</Display>
   <Edit>DocumentLibraryForm</Edit>
   <New>DocumentLibraryForm</New>
 </FormTemplates>
-</file>
-
-<file path=customXml/item2.xml><?xml version="1.0" encoding="utf-8"?>
-<p:properties xmlns:p="http://schemas.microsoft.com/office/2006/metadata/properties" xmlns:xsi="http://www.w3.org/2001/XMLSchema-instance" xmlns:pc="http://schemas.microsoft.com/office/infopath/2007/PartnerControls">
-  <documentManagement>
-    <_ip_UnifiedCompliancePolicyUIAction xmlns="http://schemas.microsoft.com/sharepoint/v3" xsi:nil="true"/>
-    <_ip_UnifiedCompliancePolicyProperties xmlns="http://schemas.microsoft.com/sharepoint/v3" xsi:nil="true"/>
-  </documentManagement>
-</p:properties>
 </file>
 
 <file path=customXml/item3.xml><?xml version="1.0" encoding="utf-8"?>
@@ -30972,14 +31010,6 @@
 </file>
 
 <file path=customXml/itemProps1.xml><?xml version="1.0" encoding="utf-8"?>
-<ds:datastoreItem xmlns:ds="http://schemas.openxmlformats.org/officeDocument/2006/customXml" ds:itemID="{758FDAC0-319D-4A54-8D8E-1D42CB1F8004}">
-  <ds:schemaRefs>
-    <ds:schemaRef ds:uri="http://schemas.microsoft.com/sharepoint/v3/contenttype/forms"/>
-  </ds:schemaRefs>
-</ds:datastoreItem>
-</file>
-
-<file path=customXml/itemProps2.xml><?xml version="1.0" encoding="utf-8"?>
 <ds:datastoreItem xmlns:ds="http://schemas.openxmlformats.org/officeDocument/2006/customXml" ds:itemID="{F990F116-B58F-4255-B05B-DA3808E0E5C6}">
   <ds:schemaRefs>
     <ds:schemaRef ds:uri="http://schemas.microsoft.com/office/2006/documentManagement/types"/>
@@ -30993,6 +31023,14 @@
     <ds:schemaRef ds:uri="a4bc753f-e3bb-4cba-8373-da173ea1515c"/>
     <ds:schemaRef ds:uri="http://purl.org/dc/terms/"/>
     <ds:schemaRef ds:uri="http://schemas.microsoft.com/sharepoint/v3"/>
+  </ds:schemaRefs>
+</ds:datastoreItem>
+</file>
+
+<file path=customXml/itemProps2.xml><?xml version="1.0" encoding="utf-8"?>
+<ds:datastoreItem xmlns:ds="http://schemas.openxmlformats.org/officeDocument/2006/customXml" ds:itemID="{758FDAC0-319D-4A54-8D8E-1D42CB1F8004}">
+  <ds:schemaRefs>
+    <ds:schemaRef ds:uri="http://schemas.microsoft.com/sharepoint/v3/contenttype/forms"/>
   </ds:schemaRefs>
 </ds:datastoreItem>
 </file>
